--- a/PowerPoints/04 - Definition of CPRL.pptx
+++ b/PowerPoints/04 - Definition of CPRL.pptx
@@ -4628,7 +4628,7 @@
             </a:pPr>
             <a:r>
               <a:rPr lang="en-US" dirty="0"/>
-              <a:t>3.  Unary adding operators	  </a:t>
+              <a:t>3.  Unary sign operators	  </a:t>
             </a:r>
             <a:r>
               <a:rPr lang="en-US" dirty="0">

--- a/PowerPoints/04 - Definition of CPRL.pptx
+++ b/PowerPoints/04 - Definition of CPRL.pptx
@@ -5399,8 +5399,17 @@
               <a:rPr lang="en-US" sz="1800" dirty="0">
                 <a:latin typeface="Consolas" panose="020B0609020204030204" pitchFamily="49" charset="0"/>
               </a:rPr>
-              <a:t>name := "Caleb";      // length = 4</a:t>
-            </a:r>
+              <a:t>name := "Caleb";      // length </a:t>
+            </a:r>
+            <a:r>
+              <a:rPr lang="en-US" sz="1800">
+                <a:latin typeface="Consolas" panose="020B0609020204030204" pitchFamily="49" charset="0"/>
+              </a:rPr>
+              <a:t>= 5</a:t>
+            </a:r>
+            <a:endParaRPr lang="en-US" sz="1800" dirty="0">
+              <a:latin typeface="Consolas" panose="020B0609020204030204" pitchFamily="49" charset="0"/>
+            </a:endParaRPr>
           </a:p>
           <a:p>
             <a:endParaRPr lang="en-US" dirty="0"/>

--- a/PowerPoints/04 - Definition of CPRL.pptx
+++ b/PowerPoints/04 - Definition of CPRL.pptx
@@ -5399,17 +5399,8 @@
               <a:rPr lang="en-US" sz="1800" dirty="0">
                 <a:latin typeface="Consolas" panose="020B0609020204030204" pitchFamily="49" charset="0"/>
               </a:rPr>
-              <a:t>name := "Caleb";      // length </a:t>
-            </a:r>
-            <a:r>
-              <a:rPr lang="en-US" sz="1800">
-                <a:latin typeface="Consolas" panose="020B0609020204030204" pitchFamily="49" charset="0"/>
-              </a:rPr>
-              <a:t>= 5</a:t>
-            </a:r>
-            <a:endParaRPr lang="en-US" sz="1800" dirty="0">
-              <a:latin typeface="Consolas" panose="020B0609020204030204" pitchFamily="49" charset="0"/>
-            </a:endParaRPr>
+              <a:t>name := "Caleb";      // length = 5</a:t>
+            </a:r>
           </a:p>
           <a:p>
             <a:endParaRPr lang="en-US" dirty="0"/>
@@ -5570,7 +5561,7 @@
           <a:p>
             <a:r>
               <a:rPr lang="en-US" dirty="0"/>
-              <a:t>Small but complete programming language with constructs similar to those found in Ada, Java, C++, and Kotlin.</a:t>
+              <a:t>Small but complete programming language with constructs similar to those found in Ada and C-based languages such as Java, Kotlin, and C#.</a:t>
             </a:r>
           </a:p>
           <a:p>
@@ -8962,7 +8953,7 @@
               <a:rPr lang="en-US" dirty="0">
                 <a:latin typeface="Consolas" panose="020B0609020204030204" pitchFamily="49" charset="0"/>
               </a:rPr>
-              <a:t>identifier = letter ( letter | digit )* .</a:t>
+              <a:t>identifier = letter { letter | digit } .</a:t>
             </a:r>
           </a:p>
           <a:p>
@@ -10136,7 +10127,7 @@
             <a:pPr lvl="1"/>
             <a:r>
               <a:rPr lang="en-US" dirty="0"/>
-              <a:t>Examples include variable declarations, type declarations, and subprogram declarations.</a:t>
+              <a:t>Examples include constant declarations, variable declarations, type declarations, and subprogram declarations.</a:t>
             </a:r>
           </a:p>
           <a:p>

--- a/PowerPoints/04 - Definition of CPRL.pptx
+++ b/PowerPoints/04 - Definition of CPRL.pptx
@@ -9964,10 +9964,16 @@
               <a:buNone/>
             </a:pPr>
             <a:r>
+              <a:rPr lang="en-US" sz="2000">
+                <a:latin typeface="Consolas" panose="020B0609020204030204" pitchFamily="49" charset="0"/>
+              </a:rPr>
+              <a:t>EOF</a:t>
+            </a:r>
+            <a:r>
               <a:rPr lang="en-US" sz="2000" dirty="0">
                 <a:latin typeface="Consolas" panose="020B0609020204030204" pitchFamily="49" charset="0"/>
               </a:rPr>
-              <a:t>comment, EOF, unknown</a:t>
+              <a:t>, unknown</a:t>
             </a:r>
           </a:p>
           <a:p>

--- a/PowerPoints/04 - Definition of CPRL.pptx
+++ b/PowerPoints/04 - Definition of CPRL.pptx
@@ -1,6 +1,6 @@
 
 <file path=ppt/presentation.xml><?xml version="1.0" encoding="utf-8"?>
-<p:presentation xmlns:a="http://schemas.openxmlformats.org/drawingml/2006/main" xmlns:r="http://schemas.openxmlformats.org/officeDocument/2006/relationships" xmlns:p="http://schemas.openxmlformats.org/presentationml/2006/main" saveSubsetFonts="1">
+<p:presentation xmlns:a="http://schemas.openxmlformats.org/drawingml/2006/main" xmlns:r="http://schemas.openxmlformats.org/officeDocument/2006/relationships" xmlns:p="http://schemas.openxmlformats.org/presentationml/2006/main" saveSubsetFonts="1" autoCompressPictures="0">
   <p:sldMasterIdLst>
     <p:sldMasterId id="2147483651" r:id="rId1"/>
   </p:sldMasterIdLst>
@@ -242,7 +242,7 @@
         </p:nvSpPr>
         <p:spPr bwMode="auto">
           <a:xfrm>
-            <a:off x="4145280" y="0"/>
+            <a:off x="4145281" y="0"/>
             <a:ext cx="3169920" cy="479810"/>
           </a:xfrm>
           <a:prstGeom prst="rect">
@@ -258,13 +258,13 @@
           <a:effectLst/>
         </p:spPr>
         <p:txBody>
-          <a:bodyPr vert="horz" wrap="square" lIns="96626" tIns="48315" rIns="96626" bIns="48315" numCol="1" anchor="t" anchorCtr="0" compatLnSpc="1">
+          <a:bodyPr vert="horz" wrap="square" lIns="96612" tIns="48307" rIns="96612" bIns="48307" numCol="1" anchor="t" anchorCtr="0" compatLnSpc="1">
             <a:prstTxWarp prst="textNoShape">
               <a:avLst/>
             </a:prstTxWarp>
           </a:bodyPr>
           <a:lstStyle>
-            <a:lvl1pPr algn="r" defTabSz="966320">
+            <a:lvl1pPr algn="r" defTabSz="966178">
               <a:defRPr sz="1200"/>
             </a:lvl1pPr>
           </a:lstStyle>
@@ -290,7 +290,7 @@
         </p:nvSpPr>
         <p:spPr bwMode="auto">
           <a:xfrm>
-            <a:off x="4145280" y="9121391"/>
+            <a:off x="4145281" y="9121392"/>
             <a:ext cx="3169920" cy="479810"/>
           </a:xfrm>
           <a:prstGeom prst="rect">
@@ -306,13 +306,13 @@
           <a:effectLst/>
         </p:spPr>
         <p:txBody>
-          <a:bodyPr vert="horz" wrap="square" lIns="96626" tIns="48315" rIns="96626" bIns="48315" numCol="1" anchor="b" anchorCtr="0" compatLnSpc="1">
+          <a:bodyPr vert="horz" wrap="square" lIns="96612" tIns="48307" rIns="96612" bIns="48307" numCol="1" anchor="b" anchorCtr="0" compatLnSpc="1">
             <a:prstTxWarp prst="textNoShape">
               <a:avLst/>
             </a:prstTxWarp>
           </a:bodyPr>
           <a:lstStyle>
-            <a:lvl1pPr algn="r" defTabSz="966320">
+            <a:lvl1pPr algn="r" defTabSz="966178">
               <a:defRPr sz="1200"/>
             </a:lvl1pPr>
           </a:lstStyle>
@@ -401,13 +401,13 @@
           <a:effectLst/>
         </p:spPr>
         <p:txBody>
-          <a:bodyPr vert="horz" wrap="square" lIns="96626" tIns="48315" rIns="96626" bIns="48315" numCol="1" anchor="t" anchorCtr="0" compatLnSpc="1">
+          <a:bodyPr vert="horz" wrap="square" lIns="96612" tIns="48307" rIns="96612" bIns="48307" numCol="1" anchor="t" anchorCtr="0" compatLnSpc="1">
             <a:prstTxWarp prst="textNoShape">
               <a:avLst/>
             </a:prstTxWarp>
           </a:bodyPr>
           <a:lstStyle>
-            <a:lvl1pPr algn="l" defTabSz="966320">
+            <a:lvl1pPr algn="l" defTabSz="966178">
               <a:defRPr sz="1200"/>
             </a:lvl1pPr>
           </a:lstStyle>
@@ -431,7 +431,7 @@
         </p:nvSpPr>
         <p:spPr bwMode="auto">
           <a:xfrm>
-            <a:off x="4145280" y="0"/>
+            <a:off x="4145281" y="0"/>
             <a:ext cx="3169920" cy="479810"/>
           </a:xfrm>
           <a:prstGeom prst="rect">
@@ -447,13 +447,13 @@
           <a:effectLst/>
         </p:spPr>
         <p:txBody>
-          <a:bodyPr vert="horz" wrap="square" lIns="96626" tIns="48315" rIns="96626" bIns="48315" numCol="1" anchor="t" anchorCtr="0" compatLnSpc="1">
+          <a:bodyPr vert="horz" wrap="square" lIns="96612" tIns="48307" rIns="96612" bIns="48307" numCol="1" anchor="t" anchorCtr="0" compatLnSpc="1">
             <a:prstTxWarp prst="textNoShape">
               <a:avLst/>
             </a:prstTxWarp>
           </a:bodyPr>
           <a:lstStyle>
-            <a:lvl1pPr algn="r" defTabSz="966320">
+            <a:lvl1pPr algn="r" defTabSz="966178">
               <a:defRPr sz="1200"/>
             </a:lvl1pPr>
           </a:lstStyle>
@@ -504,7 +504,7 @@
         </p:nvSpPr>
         <p:spPr bwMode="auto">
           <a:xfrm>
-            <a:off x="975360" y="4560697"/>
+            <a:off x="975361" y="4560698"/>
             <a:ext cx="5364480" cy="4319954"/>
           </a:xfrm>
           <a:prstGeom prst="rect">
@@ -520,7 +520,7 @@
           <a:effectLst/>
         </p:spPr>
         <p:txBody>
-          <a:bodyPr vert="horz" wrap="square" lIns="96626" tIns="48315" rIns="96626" bIns="48315" numCol="1" anchor="t" anchorCtr="0" compatLnSpc="1">
+          <a:bodyPr vert="horz" wrap="square" lIns="96612" tIns="48307" rIns="96612" bIns="48307" numCol="1" anchor="t" anchorCtr="0" compatLnSpc="1">
             <a:prstTxWarp prst="textNoShape">
               <a:avLst/>
             </a:prstTxWarp>
@@ -575,7 +575,7 @@
         </p:nvSpPr>
         <p:spPr bwMode="auto">
           <a:xfrm>
-            <a:off x="0" y="9121391"/>
+            <a:off x="0" y="9121392"/>
             <a:ext cx="3169920" cy="479810"/>
           </a:xfrm>
           <a:prstGeom prst="rect">
@@ -591,13 +591,13 @@
           <a:effectLst/>
         </p:spPr>
         <p:txBody>
-          <a:bodyPr vert="horz" wrap="square" lIns="96626" tIns="48315" rIns="96626" bIns="48315" numCol="1" anchor="b" anchorCtr="0" compatLnSpc="1">
+          <a:bodyPr vert="horz" wrap="square" lIns="96612" tIns="48307" rIns="96612" bIns="48307" numCol="1" anchor="b" anchorCtr="0" compatLnSpc="1">
             <a:prstTxWarp prst="textNoShape">
               <a:avLst/>
             </a:prstTxWarp>
           </a:bodyPr>
           <a:lstStyle>
-            <a:lvl1pPr algn="l" defTabSz="966320">
+            <a:lvl1pPr algn="l" defTabSz="966178">
               <a:defRPr sz="1200"/>
             </a:lvl1pPr>
           </a:lstStyle>
@@ -618,7 +618,7 @@
         </p:nvSpPr>
         <p:spPr bwMode="auto">
           <a:xfrm>
-            <a:off x="4145280" y="9121391"/>
+            <a:off x="4145281" y="9121392"/>
             <a:ext cx="3169920" cy="479810"/>
           </a:xfrm>
           <a:prstGeom prst="rect">
@@ -634,13 +634,13 @@
           <a:effectLst/>
         </p:spPr>
         <p:txBody>
-          <a:bodyPr vert="horz" wrap="square" lIns="96626" tIns="48315" rIns="96626" bIns="48315" numCol="1" anchor="b" anchorCtr="0" compatLnSpc="1">
+          <a:bodyPr vert="horz" wrap="square" lIns="96612" tIns="48307" rIns="96612" bIns="48307" numCol="1" anchor="b" anchorCtr="0" compatLnSpc="1">
             <a:prstTxWarp prst="textNoShape">
               <a:avLst/>
             </a:prstTxWarp>
           </a:bodyPr>
           <a:lstStyle>
-            <a:lvl1pPr algn="r" defTabSz="966320">
+            <a:lvl1pPr algn="r" defTabSz="966178">
               <a:defRPr sz="1200"/>
             </a:lvl1pPr>
           </a:lstStyle>
@@ -4905,7 +4905,7 @@
             </a:r>
             <a:r>
               <a:rPr lang="en-US" dirty="0"/>
-              <a:t>/</a:t>
+              <a:t>, </a:t>
             </a:r>
             <a:r>
               <a:rPr lang="en-US" dirty="0">
@@ -4931,7 +4931,7 @@
             </a:r>
             <a:r>
               <a:rPr lang="en-US" dirty="0"/>
-              <a:t>/</a:t>
+              <a:t>, </a:t>
             </a:r>
             <a:r>
               <a:rPr lang="en-US" dirty="0">
@@ -6811,18 +6811,21 @@
               <a:rPr lang="en-US" dirty="0">
                 <a:latin typeface="Consolas" panose="020B0609020204030204" pitchFamily="49" charset="0"/>
               </a:rPr>
-              <a:t>main()</a:t>
-            </a:r>
-            <a:r>
-              <a:rPr lang="en-US" dirty="0"/>
-              <a:t>”.</a:t>
-            </a:r>
-          </a:p>
-          <a:p>
-            <a:pPr lvl="1"/>
-            <a:r>
-              <a:rPr lang="en-US" dirty="0"/>
-              <a:t>serves as the starting point for program execution.</a:t>
+              <a:t>main</a:t>
+            </a:r>
+            <a:r>
+              <a:rPr lang="en-US">
+                <a:latin typeface="Consolas" panose="020B0609020204030204" pitchFamily="49" charset="0"/>
+              </a:rPr>
+              <a:t>()</a:t>
+            </a:r>
+            <a:r>
+              <a:rPr lang="en-US"/>
+              <a:t>”, which serves </a:t>
+            </a:r>
+            <a:r>
+              <a:rPr lang="en-US" dirty="0"/>
+              <a:t>as the starting point for program execution.</a:t>
             </a:r>
           </a:p>
           <a:p>
@@ -9007,7 +9010,7 @@
               <a:rPr lang="en-US" dirty="0">
                 <a:latin typeface="Consolas" panose="020B0609020204030204" pitchFamily="49" charset="0"/>
               </a:rPr>
-              <a:t>digit  = '0' .. '9’ .</a:t>
+              <a:t>digit  = '0' .. '9' .</a:t>
             </a:r>
           </a:p>
           <a:p>
@@ -9964,16 +9967,10 @@
               <a:buNone/>
             </a:pPr>
             <a:r>
-              <a:rPr lang="en-US" sz="2000">
-                <a:latin typeface="Consolas" panose="020B0609020204030204" pitchFamily="49" charset="0"/>
-              </a:rPr>
-              <a:t>EOF</a:t>
-            </a:r>
-            <a:r>
               <a:rPr lang="en-US" sz="2000" dirty="0">
                 <a:latin typeface="Consolas" panose="020B0609020204030204" pitchFamily="49" charset="0"/>
               </a:rPr>
-              <a:t>, unknown</a:t>
+              <a:t>EOF, unknown</a:t>
             </a:r>
           </a:p>
           <a:p>
@@ -10381,7 +10378,7 @@
               <a:rPr lang="en-US" dirty="0">
                 <a:latin typeface="Consolas" panose="020B0609020204030204" pitchFamily="49" charset="0"/>
               </a:rPr>
-              <a:t>x</a:t>
+              <a:t>max</a:t>
             </a:r>
           </a:p>
           <a:p>

--- a/PowerPoints/04 - Definition of CPRL.pptx
+++ b/PowerPoints/04 - Definition of CPRL.pptx
@@ -5712,17 +5712,25 @@
           <a:p>
             <a:r>
               <a:rPr lang="en-US" dirty="0"/>
-              <a:t>A sequence of zero or more statements enclosed in braces “</a:t>
-            </a:r>
-            <a:r>
-              <a:rPr lang="en-US" dirty="0">
+              <a:t>A sequence of zero or more statements enclosed in </a:t>
+            </a:r>
+            <a:r>
+              <a:rPr lang="en-US"/>
+              <a:t>braces “</a:t>
+            </a:r>
+            <a:r>
+              <a:rPr lang="en-US">
                 <a:latin typeface="Consolas" panose="020B0609020204030204" pitchFamily="49" charset="0"/>
               </a:rPr>
               <a:t>{</a:t>
             </a:r>
             <a:r>
-              <a:rPr lang="en-US" dirty="0"/>
-              <a:t>“ and “</a:t>
+              <a:rPr lang="en-US"/>
+              <a:t>” </a:t>
+            </a:r>
+            <a:r>
+              <a:rPr lang="en-US" dirty="0"/>
+              <a:t>and “</a:t>
             </a:r>
             <a:r>
               <a:rPr lang="en-US" dirty="0">
@@ -7456,40 +7464,40 @@
               <a:buNone/>
             </a:pPr>
             <a:r>
-              <a:rPr lang="en-US" sz="1850" dirty="0" err="1">
+              <a:rPr lang="en-US" sz="1750" dirty="0" err="1">
                 <a:latin typeface="Consolas" panose="020B0609020204030204" pitchFamily="49" charset="0"/>
               </a:rPr>
               <a:t>procedureCallStmt</a:t>
             </a:r>
             <a:r>
-              <a:rPr lang="en-US" sz="1850" dirty="0">
+              <a:rPr lang="en-US" sz="1750" dirty="0">
                 <a:latin typeface="Consolas" panose="020B0609020204030204" pitchFamily="49" charset="0"/>
               </a:rPr>
               <a:t> = </a:t>
             </a:r>
             <a:r>
-              <a:rPr lang="en-US" sz="1850" dirty="0" err="1">
+              <a:rPr lang="en-US" sz="1750" dirty="0" err="1">
                 <a:latin typeface="Consolas" panose="020B0609020204030204" pitchFamily="49" charset="0"/>
               </a:rPr>
               <a:t>procId</a:t>
             </a:r>
             <a:r>
-              <a:rPr lang="en-US" sz="1850" dirty="0">
+              <a:rPr lang="en-US" sz="1750" dirty="0">
                 <a:latin typeface="Consolas" panose="020B0609020204030204" pitchFamily="49" charset="0"/>
               </a:rPr>
               <a:t> "(" [ </a:t>
             </a:r>
             <a:r>
-              <a:rPr lang="en-US" sz="1850" dirty="0" err="1">
+              <a:rPr lang="en-US" sz="1750" dirty="0" err="1">
                 <a:latin typeface="Consolas" panose="020B0609020204030204" pitchFamily="49" charset="0"/>
               </a:rPr>
               <a:t>actualParameters</a:t>
             </a:r>
             <a:r>
-              <a:rPr lang="en-US" sz="1850" dirty="0">
-                <a:latin typeface="Consolas" panose="020B0609020204030204" pitchFamily="49" charset="0"/>
-              </a:rPr>
-              <a:t> ] ")"</a:t>
+              <a:rPr lang="en-US" sz="1750" dirty="0">
+                <a:latin typeface="Consolas" panose="020B0609020204030204" pitchFamily="49" charset="0"/>
+              </a:rPr>
+              <a:t> ] ")" ";" .</a:t>
             </a:r>
           </a:p>
           <a:p>
@@ -7497,24 +7505,13 @@
               <a:buNone/>
             </a:pPr>
             <a:r>
-              <a:rPr lang="en-US" sz="1850" dirty="0">
-                <a:latin typeface="Consolas" panose="020B0609020204030204" pitchFamily="49" charset="0"/>
-              </a:rPr>
-              <a:t>                    ";" .</a:t>
-            </a:r>
-          </a:p>
-          <a:p>
-            <a:pPr marL="457200" lvl="1" indent="0">
-              <a:buNone/>
-            </a:pPr>
-            <a:r>
-              <a:rPr lang="en-US" sz="1850" dirty="0" err="1">
+              <a:rPr lang="en-US" sz="1750" dirty="0" err="1">
                 <a:latin typeface="Consolas" panose="020B0609020204030204" pitchFamily="49" charset="0"/>
               </a:rPr>
               <a:t>actualParameters</a:t>
             </a:r>
             <a:r>
-              <a:rPr lang="en-US" sz="1850" dirty="0">
+              <a:rPr lang="en-US" sz="1750" dirty="0">
                 <a:latin typeface="Consolas" panose="020B0609020204030204" pitchFamily="49" charset="0"/>
               </a:rPr>
               <a:t> = expression { "," expression } .</a:t>
